--- a/njpls_nyu_2024/proposal.pptx
+++ b/njpls_nyu_2024/proposal.pptx
@@ -5,7 +5,7 @@
     <p:sldMasterId id="2147483648" r:id="rId1"/>
   </p:sldMasterIdLst>
   <p:notesMasterIdLst>
-    <p:notesMasterId r:id="rId19"/>
+    <p:notesMasterId r:id="rId18"/>
   </p:notesMasterIdLst>
   <p:sldIdLst>
     <p:sldId id="256" r:id="rId2"/>
@@ -24,7 +24,6 @@
     <p:sldId id="293" r:id="rId15"/>
     <p:sldId id="295" r:id="rId16"/>
     <p:sldId id="288" r:id="rId17"/>
-    <p:sldId id="308" r:id="rId18"/>
   </p:sldIdLst>
   <p:sldSz cx="12192000" cy="6858000"/>
   <p:notesSz cx="6858000" cy="9144000"/>
@@ -129,33 +128,6 @@
     </p:ext>
   </p:extLst>
 </p:presentation>
-</file>
-
-<file path=ppt/ink/ink1.xml><?xml version="1.0" encoding="utf-8"?>
-<inkml:ink xmlns:inkml="http://www.w3.org/2003/InkML">
-  <inkml:definitions>
-    <inkml:context xml:id="ctx0">
-      <inkml:inkSource xml:id="inkSrc0">
-        <inkml:traceFormat>
-          <inkml:channel name="X" type="integer" min="-2.14748E9" max="2.14748E9" units="cm"/>
-          <inkml:channel name="Y" type="integer" min="-2.14748E9" max="2.14748E9" units="cm"/>
-          <inkml:channel name="F" type="integer" max="32767" units="dev"/>
-        </inkml:traceFormat>
-        <inkml:channelProperties>
-          <inkml:channelProperty channel="X" name="resolution" value="1000" units="1/cm"/>
-          <inkml:channelProperty channel="Y" name="resolution" value="1000" units="1/cm"/>
-          <inkml:channelProperty channel="F" name="resolution" value="0" units="1/dev"/>
-        </inkml:channelProperties>
-      </inkml:inkSource>
-      <inkml:timestamp xml:id="ts0" timeString="2024-04-30T14:39:41.290"/>
-    </inkml:context>
-    <inkml:brush xml:id="br0">
-      <inkml:brushProperty name="width" value="0.05" units="cm"/>
-      <inkml:brushProperty name="height" value="0.05" units="cm"/>
-    </inkml:brush>
-  </inkml:definitions>
-  <inkml:trace contextRef="#ctx0" brushRef="#br0">1 1 24575,'0'0'0</inkml:trace>
-</inkml:ink>
 </file>
 
 <file path=ppt/notesMasters/notesMaster1.xml><?xml version="1.0" encoding="utf-8"?>
@@ -750,123 +722,6 @@
     <p:extLst>
       <p:ext uri="{BB962C8B-B14F-4D97-AF65-F5344CB8AC3E}">
         <p14:creationId xmlns:p14="http://schemas.microsoft.com/office/powerpoint/2010/main" val="1626201105"/>
-      </p:ext>
-    </p:extLst>
-  </p:cSld>
-  <p:clrMapOvr>
-    <a:masterClrMapping/>
-  </p:clrMapOvr>
-</p:notes>
-</file>
-
-<file path=ppt/notesSlides/notesSlide12.xml><?xml version="1.0" encoding="utf-8"?>
-<p:notes xmlns:a="http://schemas.openxmlformats.org/drawingml/2006/main" xmlns:r="http://schemas.openxmlformats.org/officeDocument/2006/relationships" xmlns:p="http://schemas.openxmlformats.org/presentationml/2006/main">
-  <p:cSld>
-    <p:spTree>
-      <p:nvGrpSpPr>
-        <p:cNvPr id="1" name=""/>
-        <p:cNvGrpSpPr/>
-        <p:nvPr/>
-      </p:nvGrpSpPr>
-      <p:grpSpPr>
-        <a:xfrm>
-          <a:off x="0" y="0"/>
-          <a:ext cx="0" cy="0"/>
-          <a:chOff x="0" y="0"/>
-          <a:chExt cx="0" cy="0"/>
-        </a:xfrm>
-      </p:grpSpPr>
-      <p:sp>
-        <p:nvSpPr>
-          <p:cNvPr id="2" name="Slide Image Placeholder 1"/>
-          <p:cNvSpPr>
-            <a:spLocks noGrp="1" noRot="1" noChangeAspect="1"/>
-          </p:cNvSpPr>
-          <p:nvPr>
-            <p:ph type="sldImg"/>
-          </p:nvPr>
-        </p:nvSpPr>
-        <p:spPr/>
-      </p:sp>
-      <p:sp>
-        <p:nvSpPr>
-          <p:cNvPr id="3" name="Notes Placeholder 2"/>
-          <p:cNvSpPr>
-            <a:spLocks noGrp="1"/>
-          </p:cNvSpPr>
-          <p:nvPr>
-            <p:ph type="body" idx="1"/>
-          </p:nvPr>
-        </p:nvSpPr>
-        <p:spPr/>
-        <p:txBody>
-          <a:bodyPr/>
-          <a:lstStyle/>
-          <a:p>
-            <a:r>
-              <a:rPr lang="en-US" dirty="0"/>
-              <a:t>We want to prove, abstractly, that any island update performed in terms of the</a:t>
-            </a:r>
-          </a:p>
-          <a:p>
-            <a:r>
-              <a:rPr lang="en-US" dirty="0"/>
-              <a:t>      sub-STS is valid in terms of the original STS.  Intuitively, we'd like to think</a:t>
-            </a:r>
-          </a:p>
-          <a:p>
-            <a:r>
-              <a:rPr lang="en-US" dirty="0"/>
-              <a:t>      of an update in terms of the sub-STS as equivalent to a combination of</a:t>
-            </a:r>
-          </a:p>
-          <a:p>
-            <a:r>
-              <a:rPr lang="en-US" dirty="0"/>
-              <a:t>      consequence, local anti-frame (on tokens), and island update on the original.</a:t>
-            </a:r>
-          </a:p>
-          <a:p>
-            <a:r>
-              <a:rPr lang="en-US" dirty="0"/>
-              <a:t>      (Eventually, we'd also like to include an analog of anti-frame on invariants</a:t>
-            </a:r>
-          </a:p>
-          <a:p>
-            <a:r>
-              <a:rPr lang="en-US" dirty="0"/>
-              <a:t>      to permit ignoring unaffected state).</a:t>
-            </a:r>
-          </a:p>
-        </p:txBody>
-      </p:sp>
-      <p:sp>
-        <p:nvSpPr>
-          <p:cNvPr id="4" name="Slide Number Placeholder 3"/>
-          <p:cNvSpPr>
-            <a:spLocks noGrp="1"/>
-          </p:cNvSpPr>
-          <p:nvPr>
-            <p:ph type="sldNum" sz="quarter" idx="5"/>
-          </p:nvPr>
-        </p:nvSpPr>
-        <p:spPr/>
-        <p:txBody>
-          <a:bodyPr/>
-          <a:lstStyle/>
-          <a:p>
-            <a:fld id="{180B0F4F-C4CA-F945-8BD8-C2A10415F31A}" type="slidenum">
-              <a:rPr lang="en-US" smtClean="0"/>
-              <a:t>17</a:t>
-            </a:fld>
-            <a:endParaRPr lang="en-US"/>
-          </a:p>
-        </p:txBody>
-      </p:sp>
-    </p:spTree>
-    <p:extLst>
-      <p:ext uri="{BB962C8B-B14F-4D97-AF65-F5344CB8AC3E}">
-        <p14:creationId xmlns:p14="http://schemas.microsoft.com/office/powerpoint/2010/main" val="3756382041"/>
       </p:ext>
     </p:extLst>
   </p:cSld>
@@ -5055,57 +4910,6 @@
           </a:p>
         </p:txBody>
       </p:sp>
-      <mc:AlternateContent xmlns:mc="http://schemas.openxmlformats.org/markup-compatibility/2006">
-        <mc:Choice xmlns:p14="http://schemas.microsoft.com/office/powerpoint/2010/main" Requires="p14">
-          <p:contentPart p14:bwMode="auto" r:id="rId3">
-            <p14:nvContentPartPr>
-              <p14:cNvPr id="26" name="Ink 25">
-                <a:extLst>
-                  <a:ext uri="{FF2B5EF4-FFF2-40B4-BE49-F238E27FC236}">
-                    <a16:creationId xmlns:a16="http://schemas.microsoft.com/office/drawing/2014/main" id="{9A45CE96-D427-D530-3CE3-0FC115BA91A1}"/>
-                  </a:ext>
-                </a:extLst>
-              </p14:cNvPr>
-              <p14:cNvContentPartPr/>
-              <p14:nvPr/>
-            </p14:nvContentPartPr>
-            <p14:xfrm>
-              <a:off x="5755950" y="3150900"/>
-              <a:ext cx="360" cy="360"/>
-            </p14:xfrm>
-          </p:contentPart>
-        </mc:Choice>
-        <mc:Fallback>
-          <p:pic>
-            <p:nvPicPr>
-              <p:cNvPr id="26" name="Ink 25">
-                <a:extLst>
-                  <a:ext uri="{FF2B5EF4-FFF2-40B4-BE49-F238E27FC236}">
-                    <a16:creationId xmlns:a16="http://schemas.microsoft.com/office/drawing/2014/main" id="{9A45CE96-D427-D530-3CE3-0FC115BA91A1}"/>
-                  </a:ext>
-                </a:extLst>
-              </p:cNvPr>
-              <p:cNvPicPr/>
-              <p:nvPr/>
-            </p:nvPicPr>
-            <p:blipFill>
-              <a:blip r:embed="rId4"/>
-              <a:stretch>
-                <a:fillRect/>
-              </a:stretch>
-            </p:blipFill>
-            <p:spPr>
-              <a:xfrm>
-                <a:off x="5747310" y="3142260"/>
-                <a:ext cx="18000" cy="18000"/>
-              </a:xfrm>
-              <a:prstGeom prst="rect">
-                <a:avLst/>
-              </a:prstGeom>
-            </p:spPr>
-          </p:pic>
-        </mc:Fallback>
-      </mc:AlternateContent>
     </p:spTree>
     <p:extLst>
       <p:ext uri="{BB962C8B-B14F-4D97-AF65-F5344CB8AC3E}">
@@ -5221,20 +5025,30 @@
           <a:p>
             <a:pPr lvl="2"/>
             <a:r>
-              <a:rPr lang="en-US" b="1" dirty="0"/>
-              <a:t>Island-Update-Invariance </a:t>
-            </a:r>
-            <a:r>
               <a:rPr lang="en-US" dirty="0"/>
-              <a:t>for soundness</a:t>
-            </a:r>
-            <a:endParaRPr lang="en-US" b="1" dirty="0"/>
+              <a:t>Soundness: Pretty much the one in </a:t>
+            </a:r>
+            <a:r>
+              <a:rPr lang="en-US" dirty="0" err="1"/>
+              <a:t>CaReSL</a:t>
+            </a:r>
+            <a:r>
+              <a:rPr lang="en-US" dirty="0"/>
+              <a:t> and Iris</a:t>
+            </a:r>
+          </a:p>
+          <a:p>
+            <a:pPr lvl="3"/>
+            <a:r>
+              <a:rPr lang="en-US" dirty="0"/>
+              <a:t>Any update on STS (as logical resources) preserves the laws above</a:t>
+            </a:r>
           </a:p>
           <a:p>
             <a:pPr lvl="2"/>
             <a:r>
               <a:rPr lang="en-US" dirty="0"/>
-              <a:t>Proof rules</a:t>
+              <a:t>Proof rules (already shown)</a:t>
             </a:r>
           </a:p>
           <a:p>
@@ -10389,31 +10203,7 @@
                   <a:schemeClr val="tx1"/>
                 </a:solidFill>
               </a:rPr>
-              <a:t>} U {</a:t>
-            </a:r>
-            <a:r>
-              <a:rPr lang="en-US" b="1" dirty="0" err="1">
-                <a:solidFill>
-                  <a:schemeClr val="tx1"/>
-                </a:solidFill>
-              </a:rPr>
-              <a:t>Tok</a:t>
-            </a:r>
-            <a:r>
-              <a:rPr lang="en-US" b="1" baseline="-25000" dirty="0" err="1">
-                <a:solidFill>
-                  <a:schemeClr val="tx1"/>
-                </a:solidFill>
-              </a:rPr>
-              <a:t>flush</a:t>
-            </a:r>
-            <a:r>
-              <a:rPr lang="en-US" b="1" dirty="0">
-                <a:solidFill>
-                  <a:schemeClr val="tx1"/>
-                </a:solidFill>
-              </a:rPr>
-              <a:t>} </a:t>
+              <a:t>}</a:t>
             </a:r>
             <a:endParaRPr lang="en-US" dirty="0">
               <a:solidFill>
@@ -10492,7 +10282,7 @@
                   <a:schemeClr val="tx1"/>
                 </a:solidFill>
               </a:rPr>
-              <a:t> are accounted for the rely-environment of STS</a:t>
+              <a:t> are accounted for in the rely-environment of STS</a:t>
             </a:r>
             <a:r>
               <a:rPr lang="en-US" baseline="-25000" dirty="0">
@@ -18190,20 +17980,8 @@
           <a:lstStyle/>
           <a:p>
             <a:r>
-              <a:rPr lang="en-US" dirty="0" err="1">
-                <a:solidFill>
-                  <a:srgbClr val="FF0000"/>
-                </a:solidFill>
-              </a:rPr>
-              <a:t>TODO:update</a:t>
-            </a:r>
-            <a:r>
-              <a:rPr lang="en-US" dirty="0">
-                <a:solidFill>
-                  <a:srgbClr val="FF0000"/>
-                </a:solidFill>
-              </a:rPr>
-              <a:t> Current Status of RG-STS</a:t>
+              <a:rPr lang="en-US" dirty="0"/>
+              <a:t>Current Status of RG-STS</a:t>
             </a:r>
           </a:p>
         </p:txBody>
@@ -18232,33 +18010,25 @@
         </p:spPr>
         <p:txBody>
           <a:bodyPr>
-            <a:normAutofit fontScale="92500" lnSpcReduction="20000"/>
+            <a:normAutofit/>
           </a:bodyPr>
           <a:lstStyle/>
           <a:p>
             <a:r>
               <a:rPr lang="en-US" dirty="0"/>
-              <a:t>Currently being worked on</a:t>
-            </a:r>
-          </a:p>
-          <a:p>
-            <a:pPr lvl="1"/>
+              <a:t>Soundness finished</a:t>
+            </a:r>
+          </a:p>
+          <a:p>
             <a:r>
               <a:rPr lang="en-US" dirty="0"/>
-              <a:t>Soundness proofs is under-change </a:t>
-            </a:r>
-          </a:p>
-          <a:p>
-            <a:pPr lvl="1"/>
+              <a:t>File resource protocol shown in the talk finished</a:t>
+            </a:r>
+          </a:p>
+          <a:p>
             <a:r>
               <a:rPr lang="en-US" dirty="0"/>
-              <a:t>Proofs of filesystem protocols presented in this paper </a:t>
-            </a:r>
-          </a:p>
-          <a:p>
-            <a:r>
-              <a:rPr lang="en-US" dirty="0"/>
-              <a:t>Already done</a:t>
+              <a:t>To be done</a:t>
             </a:r>
           </a:p>
           <a:p>
@@ -18279,30 +18049,7 @@
               <a:rPr lang="en-US" b="1" dirty="0" err="1"/>
               <a:t>mmap_lazy</a:t>
             </a:r>
-            <a:r>
-              <a:rPr lang="en-US" b="1" dirty="0"/>
-              <a:t> </a:t>
-            </a:r>
-            <a:r>
-              <a:rPr lang="en-US" dirty="0"/>
-              <a:t>are implemented inside the kernel as a candidate for being an extra experiment</a:t>
-            </a:r>
-          </a:p>
-          <a:p>
-            <a:pPr lvl="1"/>
-            <a:r>
-              <a:rPr lang="en-US" b="1" dirty="0" err="1"/>
-              <a:t>Vfs</a:t>
-            </a:r>
-            <a:r>
-              <a:rPr lang="en-US" b="1" dirty="0"/>
-              <a:t> -- </a:t>
-            </a:r>
-            <a:r>
-              <a:rPr lang="en-US" dirty="0"/>
-              <a:t>realized by S5 (already exists inside xv6 OS) and ext2 (implemented by us)</a:t>
-            </a:r>
-            <a:endParaRPr lang="en-US" b="1" dirty="0"/>
+            <a:endParaRPr lang="en-US" dirty="0"/>
           </a:p>
           <a:p>
             <a:pPr lvl="1"/>
@@ -18310,44 +18057,7 @@
               <a:rPr lang="en-US" b="1" dirty="0"/>
               <a:t>Disk device drivers</a:t>
             </a:r>
-            <a:r>
-              <a:rPr lang="en-US" dirty="0"/>
-              <a:t>: A block disk driver for our ext2 vs. in-memory block device driver (to</a:t>
-            </a:r>
-          </a:p>
-          <a:p>
-            <a:r>
-              <a:rPr lang="en-US" dirty="0"/>
-              <a:t>To be done</a:t>
-            </a:r>
-          </a:p>
-          <a:p>
-            <a:pPr lvl="1"/>
-            <a:r>
-              <a:rPr lang="en-US" dirty="0"/>
-              <a:t>Finish the soundness </a:t>
-            </a:r>
-          </a:p>
-          <a:p>
-            <a:pPr lvl="1"/>
-            <a:r>
-              <a:rPr lang="en-US" dirty="0"/>
-              <a:t>Pick-up one extra example in addition to the filesystem protocol example amongst the examples mentioned above</a:t>
-            </a:r>
-          </a:p>
-          <a:p>
-            <a:pPr lvl="2"/>
-            <a:r>
-              <a:rPr lang="en-US" dirty="0"/>
-              <a:t>Not necessarily the implementation of them </a:t>
-            </a:r>
-          </a:p>
-          <a:p>
-            <a:pPr lvl="2"/>
-            <a:r>
-              <a:rPr lang="en-US" dirty="0"/>
-              <a:t>Not necessarily the complete protocol of them</a:t>
-            </a:r>
+            <a:endParaRPr lang="en-US" dirty="0"/>
           </a:p>
           <a:p>
             <a:pPr lvl="1"/>
@@ -18533,297 +18243,6 @@
 </p:sld>
 </file>
 
-<file path=ppt/slides/slide17.xml><?xml version="1.0" encoding="utf-8"?>
-<p:sld xmlns:a="http://schemas.openxmlformats.org/drawingml/2006/main" xmlns:r="http://schemas.openxmlformats.org/officeDocument/2006/relationships" xmlns:p="http://schemas.openxmlformats.org/presentationml/2006/main">
-  <p:cSld>
-    <p:spTree>
-      <p:nvGrpSpPr>
-        <p:cNvPr id="1" name=""/>
-        <p:cNvGrpSpPr/>
-        <p:nvPr/>
-      </p:nvGrpSpPr>
-      <p:grpSpPr>
-        <a:xfrm>
-          <a:off x="0" y="0"/>
-          <a:ext cx="0" cy="0"/>
-          <a:chOff x="0" y="0"/>
-          <a:chExt cx="0" cy="0"/>
-        </a:xfrm>
-      </p:grpSpPr>
-      <p:sp>
-        <p:nvSpPr>
-          <p:cNvPr id="2" name="Title 1">
-            <a:extLst>
-              <a:ext uri="{FF2B5EF4-FFF2-40B4-BE49-F238E27FC236}">
-                <a16:creationId xmlns:a16="http://schemas.microsoft.com/office/drawing/2014/main" id="{A124CB6A-F539-31F2-2CF0-92F79851DCA9}"/>
-              </a:ext>
-            </a:extLst>
-          </p:cNvPr>
-          <p:cNvSpPr>
-            <a:spLocks noGrp="1"/>
-          </p:cNvSpPr>
-          <p:nvPr>
-            <p:ph type="title"/>
-          </p:nvPr>
-        </p:nvSpPr>
-        <p:spPr/>
-        <p:txBody>
-          <a:bodyPr/>
-          <a:lstStyle/>
-          <a:p>
-            <a:r>
-              <a:rPr lang="en-US" dirty="0"/>
-              <a:t>Connecting to a Program Logic (Soundness)</a:t>
-            </a:r>
-          </a:p>
-        </p:txBody>
-      </p:sp>
-      <p:pic>
-        <p:nvPicPr>
-          <p:cNvPr id="5" name="Content Placeholder 4" descr="A math equations and symbols&#10;&#10;Description automatically generated with medium confidence">
-            <a:extLst>
-              <a:ext uri="{FF2B5EF4-FFF2-40B4-BE49-F238E27FC236}">
-                <a16:creationId xmlns:a16="http://schemas.microsoft.com/office/drawing/2014/main" id="{4D38B21C-8C3A-4AC4-DEDB-36FFF1112B35}"/>
-              </a:ext>
-            </a:extLst>
-          </p:cNvPr>
-          <p:cNvPicPr>
-            <a:picLocks noGrp="1" noChangeAspect="1"/>
-          </p:cNvPicPr>
-          <p:nvPr>
-            <p:ph idx="1"/>
-          </p:nvPr>
-        </p:nvPicPr>
-        <p:blipFill>
-          <a:blip r:embed="rId3"/>
-          <a:stretch>
-            <a:fillRect/>
-          </a:stretch>
-        </p:blipFill>
-        <p:spPr>
-          <a:xfrm>
-            <a:off x="838200" y="1690688"/>
-            <a:ext cx="8407400" cy="2781300"/>
-          </a:xfrm>
-        </p:spPr>
-      </p:pic>
-      <p:sp>
-        <p:nvSpPr>
-          <p:cNvPr id="6" name="Oval Callout 5">
-            <a:extLst>
-              <a:ext uri="{FF2B5EF4-FFF2-40B4-BE49-F238E27FC236}">
-                <a16:creationId xmlns:a16="http://schemas.microsoft.com/office/drawing/2014/main" id="{0F5A7164-781E-2E5B-68DD-57D8375A99D2}"/>
-              </a:ext>
-            </a:extLst>
-          </p:cNvPr>
-          <p:cNvSpPr/>
-          <p:nvPr/>
-        </p:nvSpPr>
-        <p:spPr>
-          <a:xfrm>
-            <a:off x="3779520" y="4561840"/>
-            <a:ext cx="5618480" cy="2123440"/>
-          </a:xfrm>
-          <a:prstGeom prst="wedgeEllipseCallout">
-            <a:avLst>
-              <a:gd name="adj1" fmla="val -11424"/>
-              <a:gd name="adj2" fmla="val -174301"/>
-            </a:avLst>
-          </a:prstGeom>
-          <a:noFill/>
-        </p:spPr>
-        <p:style>
-          <a:lnRef idx="2">
-            <a:schemeClr val="accent1">
-              <a:shade val="15000"/>
-            </a:schemeClr>
-          </a:lnRef>
-          <a:fillRef idx="1">
-            <a:schemeClr val="accent1"/>
-          </a:fillRef>
-          <a:effectRef idx="0">
-            <a:schemeClr val="accent1"/>
-          </a:effectRef>
-          <a:fontRef idx="minor">
-            <a:schemeClr val="lt1"/>
-          </a:fontRef>
-        </p:style>
-        <p:txBody>
-          <a:bodyPr rtlCol="0" anchor="ctr"/>
-          <a:lstStyle/>
-          <a:p>
-            <a:pPr algn="ctr"/>
-            <a:endParaRPr lang="en-US"/>
-          </a:p>
-        </p:txBody>
-      </p:sp>
-      <p:sp>
-        <p:nvSpPr>
-          <p:cNvPr id="7" name="TextBox 6">
-            <a:extLst>
-              <a:ext uri="{FF2B5EF4-FFF2-40B4-BE49-F238E27FC236}">
-                <a16:creationId xmlns:a16="http://schemas.microsoft.com/office/drawing/2014/main" id="{F2550571-68E3-0631-77F9-A095340027AC}"/>
-              </a:ext>
-            </a:extLst>
-          </p:cNvPr>
-          <p:cNvSpPr txBox="1"/>
-          <p:nvPr/>
-        </p:nvSpPr>
-        <p:spPr>
-          <a:xfrm>
-            <a:off x="4775200" y="4774525"/>
-            <a:ext cx="3677920" cy="1754326"/>
-          </a:xfrm>
-          <a:prstGeom prst="rect">
-            <a:avLst/>
-          </a:prstGeom>
-          <a:noFill/>
-        </p:spPr>
-        <p:txBody>
-          <a:bodyPr wrap="square" rtlCol="0">
-            <a:spAutoFit/>
-          </a:bodyPr>
-          <a:lstStyle/>
-          <a:p>
-            <a:r>
-              <a:rPr lang="en-US" dirty="0"/>
-              <a:t>For any two protocols conformance is essential as we would like to see an update in the </a:t>
-            </a:r>
-            <a:r>
-              <a:rPr lang="en-US" dirty="0" err="1"/>
-              <a:t>subSTS</a:t>
-            </a:r>
-            <a:r>
-              <a:rPr lang="en-US" dirty="0"/>
-              <a:t> equivalent to one in the original under a logical consequence on the tokens. Proof by almost </a:t>
-            </a:r>
-            <a:r>
-              <a:rPr lang="en-US" b="1" dirty="0"/>
-              <a:t>conformance.</a:t>
-            </a:r>
-            <a:endParaRPr lang="en-US" dirty="0"/>
-          </a:p>
-        </p:txBody>
-      </p:sp>
-    </p:spTree>
-    <p:extLst>
-      <p:ext uri="{BB962C8B-B14F-4D97-AF65-F5344CB8AC3E}">
-        <p14:creationId xmlns:p14="http://schemas.microsoft.com/office/powerpoint/2010/main" val="2816408523"/>
-      </p:ext>
-    </p:extLst>
-  </p:cSld>
-  <p:clrMapOvr>
-    <a:masterClrMapping/>
-  </p:clrMapOvr>
-  <p:timing>
-    <p:tnLst>
-      <p:par>
-        <p:cTn id="1" dur="indefinite" restart="never" nodeType="tmRoot">
-          <p:childTnLst>
-            <p:seq concurrent="1" nextAc="seek">
-              <p:cTn id="2" dur="indefinite" nodeType="mainSeq">
-                <p:childTnLst>
-                  <p:par>
-                    <p:cTn id="3" fill="hold">
-                      <p:stCondLst>
-                        <p:cond delay="indefinite"/>
-                      </p:stCondLst>
-                      <p:childTnLst>
-                        <p:par>
-                          <p:cTn id="4" fill="hold">
-                            <p:stCondLst>
-                              <p:cond delay="0"/>
-                            </p:stCondLst>
-                            <p:childTnLst>
-                              <p:par>
-                                <p:cTn id="5" presetID="1" presetClass="entr" presetSubtype="0" fill="hold" grpId="0" nodeType="clickEffect">
-                                  <p:stCondLst>
-                                    <p:cond delay="0"/>
-                                  </p:stCondLst>
-                                  <p:childTnLst>
-                                    <p:set>
-                                      <p:cBhvr>
-                                        <p:cTn id="6" dur="1" fill="hold">
-                                          <p:stCondLst>
-                                            <p:cond delay="0"/>
-                                          </p:stCondLst>
-                                        </p:cTn>
-                                        <p:tgtEl>
-                                          <p:spTgt spid="6"/>
-                                        </p:tgtEl>
-                                        <p:attrNameLst>
-                                          <p:attrName>style.visibility</p:attrName>
-                                        </p:attrNameLst>
-                                      </p:cBhvr>
-                                      <p:to>
-                                        <p:strVal val="visible"/>
-                                      </p:to>
-                                    </p:set>
-                                  </p:childTnLst>
-                                </p:cTn>
-                              </p:par>
-                              <p:par>
-                                <p:cTn id="7" presetID="1" presetClass="entr" presetSubtype="0" fill="hold" grpId="0" nodeType="withEffect">
-                                  <p:stCondLst>
-                                    <p:cond delay="0"/>
-                                  </p:stCondLst>
-                                  <p:childTnLst>
-                                    <p:set>
-                                      <p:cBhvr>
-                                        <p:cTn id="8" dur="1" fill="hold">
-                                          <p:stCondLst>
-                                            <p:cond delay="0"/>
-                                          </p:stCondLst>
-                                        </p:cTn>
-                                        <p:tgtEl>
-                                          <p:spTgt spid="7"/>
-                                        </p:tgtEl>
-                                        <p:attrNameLst>
-                                          <p:attrName>style.visibility</p:attrName>
-                                        </p:attrNameLst>
-                                      </p:cBhvr>
-                                      <p:to>
-                                        <p:strVal val="visible"/>
-                                      </p:to>
-                                    </p:set>
-                                  </p:childTnLst>
-                                </p:cTn>
-                              </p:par>
-                            </p:childTnLst>
-                          </p:cTn>
-                        </p:par>
-                      </p:childTnLst>
-                    </p:cTn>
-                  </p:par>
-                </p:childTnLst>
-              </p:cTn>
-              <p:prevCondLst>
-                <p:cond evt="onPrev" delay="0">
-                  <p:tgtEl>
-                    <p:sldTgt/>
-                  </p:tgtEl>
-                </p:cond>
-              </p:prevCondLst>
-              <p:nextCondLst>
-                <p:cond evt="onNext" delay="0">
-                  <p:tgtEl>
-                    <p:sldTgt/>
-                  </p:tgtEl>
-                </p:cond>
-              </p:nextCondLst>
-            </p:seq>
-          </p:childTnLst>
-        </p:cTn>
-      </p:par>
-    </p:tnLst>
-    <p:bldLst>
-      <p:bldP spid="6" grpId="0" animBg="1"/>
-      <p:bldP spid="7" grpId="0"/>
-    </p:bldLst>
-  </p:timing>
-</p:sld>
-</file>
-
 <file path=ppt/slides/slide2.xml><?xml version="1.0" encoding="utf-8"?>
 <p:sld xmlns:a="http://schemas.openxmlformats.org/drawingml/2006/main" xmlns:r="http://schemas.openxmlformats.org/officeDocument/2006/relationships" xmlns:p="http://schemas.openxmlformats.org/presentationml/2006/main">
   <p:cSld>
@@ -19778,7 +19197,7 @@
         <p:spPr>
           <a:xfrm>
             <a:off x="6026058" y="1675158"/>
-            <a:ext cx="2420145" cy="3416320"/>
+            <a:ext cx="3893881" cy="3416320"/>
           </a:xfrm>
           <a:prstGeom prst="rect">
             <a:avLst/>
@@ -19799,7 +19218,15 @@
           <a:p>
             <a:r>
               <a:rPr lang="en-US" b="1" dirty="0"/>
-              <a:t>{initial state}</a:t>
+              <a:t>{initial state * </a:t>
+            </a:r>
+            <a:r>
+              <a:rPr lang="en-US" b="1" dirty="0" err="1"/>
+              <a:t>client_can_open</a:t>
+            </a:r>
+            <a:r>
+              <a:rPr lang="en-US" b="1" dirty="0"/>
+              <a:t>}</a:t>
             </a:r>
             <a:endParaRPr lang="en-US" dirty="0"/>
           </a:p>
@@ -19812,7 +19239,15 @@
           <a:p>
             <a:r>
               <a:rPr lang="en-US" b="1" dirty="0"/>
-              <a:t>{file opened}</a:t>
+              <a:t>{file opened * </a:t>
+            </a:r>
+            <a:r>
+              <a:rPr lang="en-US" b="1" dirty="0" err="1"/>
+              <a:t>client_can_read</a:t>
+            </a:r>
+            <a:r>
+              <a:rPr lang="en-US" b="1" dirty="0"/>
+              <a:t>/write}</a:t>
             </a:r>
             <a:endParaRPr lang="en-US" dirty="0"/>
           </a:p>
@@ -19829,7 +19264,15 @@
           <a:p>
             <a:r>
               <a:rPr lang="en-US" b="1" dirty="0"/>
-              <a:t>{file written}</a:t>
+              <a:t>{file written * </a:t>
+            </a:r>
+            <a:r>
+              <a:rPr lang="en-US" b="1" dirty="0" err="1"/>
+              <a:t>client_can_close</a:t>
+            </a:r>
+            <a:r>
+              <a:rPr lang="en-US" b="1" dirty="0"/>
+              <a:t>}</a:t>
             </a:r>
             <a:endParaRPr lang="en-US" dirty="0"/>
           </a:p>
@@ -25955,7 +25398,7 @@
           <a:p>
             <a:r>
               <a:rPr lang="en-US" dirty="0"/>
-              <a:t>RG-STS: Proof Rules for </a:t>
+              <a:t>A Gist of Proof Rules for </a:t>
             </a:r>
             <a:r>
               <a:rPr lang="en-US" dirty="0" err="1"/>
@@ -26357,15 +25800,7 @@
             </a:r>
             <a:r>
               <a:rPr lang="en-US" dirty="0"/>
-              <a:t> models [Hughes and </a:t>
-            </a:r>
-            <a:r>
-              <a:rPr lang="en-US" dirty="0" err="1"/>
-              <a:t>Cresswell</a:t>
-            </a:r>
-            <a:r>
-              <a:rPr lang="en-US" dirty="0"/>
-              <a:t> 1996]</a:t>
+              <a:t> models </a:t>
             </a:r>
           </a:p>
           <a:p>
